--- a/materials/presentation.pptx
+++ b/materials/presentation.pptx
@@ -606,7 +606,7 @@
         <p:cNvPr id="1" name="">
           <a:extLst>
             <a:ext uri="{FF2B5EF4-FFF2-40B4-BE49-F238E27FC236}">
-              <a16:creationId xmlns:a16="http://schemas.microsoft.com/office/drawing/2014/main" xmlns="" id="{140F1D01-2B7D-9EB3-BB60-F0EBEEA1AD9D}"/>
+              <a16:creationId xmlns="" xmlns:a16="http://schemas.microsoft.com/office/drawing/2014/main" id="{140F1D01-2B7D-9EB3-BB60-F0EBEEA1AD9D}"/>
             </a:ext>
           </a:extLst>
         </p:cNvPr>
@@ -626,7 +626,7 @@
           <p:cNvPr id="1185" name="PlaceHolder 1">
             <a:extLst>
               <a:ext uri="{FF2B5EF4-FFF2-40B4-BE49-F238E27FC236}">
-                <a16:creationId xmlns:a16="http://schemas.microsoft.com/office/drawing/2014/main" xmlns="" id="{F2A27A12-F0B8-FE64-E59A-328A3E15DCF9}"/>
+                <a16:creationId xmlns="" xmlns:a16="http://schemas.microsoft.com/office/drawing/2014/main" id="{F2A27A12-F0B8-FE64-E59A-328A3E15DCF9}"/>
               </a:ext>
             </a:extLst>
           </p:cNvPr>
@@ -655,7 +655,7 @@
           <p:cNvPr id="1186" name="PlaceHolder 2">
             <a:extLst>
               <a:ext uri="{FF2B5EF4-FFF2-40B4-BE49-F238E27FC236}">
-                <a16:creationId xmlns:a16="http://schemas.microsoft.com/office/drawing/2014/main" xmlns="" id="{6BCAAAF7-EC59-F9F3-B9D3-8D4FAB38795D}"/>
+                <a16:creationId xmlns="" xmlns:a16="http://schemas.microsoft.com/office/drawing/2014/main" id="{6BCAAAF7-EC59-F9F3-B9D3-8D4FAB38795D}"/>
               </a:ext>
             </a:extLst>
           </p:cNvPr>
@@ -702,7 +702,7 @@
           <p:cNvPr id="1187" name="PlaceHolder 3">
             <a:extLst>
               <a:ext uri="{FF2B5EF4-FFF2-40B4-BE49-F238E27FC236}">
-                <a16:creationId xmlns:a16="http://schemas.microsoft.com/office/drawing/2014/main" xmlns="" id="{856E4249-F880-128B-BC0F-870058222B6B}"/>
+                <a16:creationId xmlns="" xmlns:a16="http://schemas.microsoft.com/office/drawing/2014/main" id="{856E4249-F880-128B-BC0F-870058222B6B}"/>
               </a:ext>
             </a:extLst>
           </p:cNvPr>
@@ -902,7 +902,7 @@
         <p:cNvPr id="1" name="">
           <a:extLst>
             <a:ext uri="{FF2B5EF4-FFF2-40B4-BE49-F238E27FC236}">
-              <a16:creationId xmlns:a16="http://schemas.microsoft.com/office/drawing/2014/main" xmlns="" id="{9ABFFE86-3141-E368-1961-2CA1CCC4031B}"/>
+              <a16:creationId xmlns="" xmlns:a16="http://schemas.microsoft.com/office/drawing/2014/main" id="{9ABFFE86-3141-E368-1961-2CA1CCC4031B}"/>
             </a:ext>
           </a:extLst>
         </p:cNvPr>
@@ -922,7 +922,7 @@
           <p:cNvPr id="1188" name="PlaceHolder 1">
             <a:extLst>
               <a:ext uri="{FF2B5EF4-FFF2-40B4-BE49-F238E27FC236}">
-                <a16:creationId xmlns:a16="http://schemas.microsoft.com/office/drawing/2014/main" xmlns="" id="{3D67C283-CBE3-6A20-1AF1-462849A7B2C7}"/>
+                <a16:creationId xmlns="" xmlns:a16="http://schemas.microsoft.com/office/drawing/2014/main" id="{3D67C283-CBE3-6A20-1AF1-462849A7B2C7}"/>
               </a:ext>
             </a:extLst>
           </p:cNvPr>
@@ -951,7 +951,7 @@
           <p:cNvPr id="1189" name="PlaceHolder 2">
             <a:extLst>
               <a:ext uri="{FF2B5EF4-FFF2-40B4-BE49-F238E27FC236}">
-                <a16:creationId xmlns:a16="http://schemas.microsoft.com/office/drawing/2014/main" xmlns="" id="{150A3429-E78E-4AB9-EC39-04F52DA58F88}"/>
+                <a16:creationId xmlns="" xmlns:a16="http://schemas.microsoft.com/office/drawing/2014/main" id="{150A3429-E78E-4AB9-EC39-04F52DA58F88}"/>
               </a:ext>
             </a:extLst>
           </p:cNvPr>
@@ -998,7 +998,7 @@
           <p:cNvPr id="1190" name="PlaceHolder 3">
             <a:extLst>
               <a:ext uri="{FF2B5EF4-FFF2-40B4-BE49-F238E27FC236}">
-                <a16:creationId xmlns:a16="http://schemas.microsoft.com/office/drawing/2014/main" xmlns="" id="{9BE2854A-D72D-EF7D-0F90-CE3FA89E7E3F}"/>
+                <a16:creationId xmlns="" xmlns:a16="http://schemas.microsoft.com/office/drawing/2014/main" id="{9BE2854A-D72D-EF7D-0F90-CE3FA89E7E3F}"/>
               </a:ext>
             </a:extLst>
           </p:cNvPr>
@@ -1198,7 +1198,7 @@
         <p:cNvPr id="1" name="">
           <a:extLst>
             <a:ext uri="{FF2B5EF4-FFF2-40B4-BE49-F238E27FC236}">
-              <a16:creationId xmlns:a16="http://schemas.microsoft.com/office/drawing/2014/main" xmlns="" id="{763062E8-D9F2-B0CF-4A82-2BA4747F648B}"/>
+              <a16:creationId xmlns="" xmlns:a16="http://schemas.microsoft.com/office/drawing/2014/main" id="{763062E8-D9F2-B0CF-4A82-2BA4747F648B}"/>
             </a:ext>
           </a:extLst>
         </p:cNvPr>
@@ -1218,7 +1218,7 @@
           <p:cNvPr id="1188" name="PlaceHolder 1">
             <a:extLst>
               <a:ext uri="{FF2B5EF4-FFF2-40B4-BE49-F238E27FC236}">
-                <a16:creationId xmlns:a16="http://schemas.microsoft.com/office/drawing/2014/main" xmlns="" id="{C4E10686-14E9-8602-4F27-A0B01196CF99}"/>
+                <a16:creationId xmlns="" xmlns:a16="http://schemas.microsoft.com/office/drawing/2014/main" id="{C4E10686-14E9-8602-4F27-A0B01196CF99}"/>
               </a:ext>
             </a:extLst>
           </p:cNvPr>
@@ -1247,7 +1247,7 @@
           <p:cNvPr id="1189" name="PlaceHolder 2">
             <a:extLst>
               <a:ext uri="{FF2B5EF4-FFF2-40B4-BE49-F238E27FC236}">
-                <a16:creationId xmlns:a16="http://schemas.microsoft.com/office/drawing/2014/main" xmlns="" id="{8121D161-6862-A692-4779-3DC5ED0252CB}"/>
+                <a16:creationId xmlns="" xmlns:a16="http://schemas.microsoft.com/office/drawing/2014/main" id="{8121D161-6862-A692-4779-3DC5ED0252CB}"/>
               </a:ext>
             </a:extLst>
           </p:cNvPr>
@@ -1294,7 +1294,7 @@
           <p:cNvPr id="1190" name="PlaceHolder 3">
             <a:extLst>
               <a:ext uri="{FF2B5EF4-FFF2-40B4-BE49-F238E27FC236}">
-                <a16:creationId xmlns:a16="http://schemas.microsoft.com/office/drawing/2014/main" xmlns="" id="{9CEF2DE4-2172-245A-D7A0-175BD90F8C70}"/>
+                <a16:creationId xmlns="" xmlns:a16="http://schemas.microsoft.com/office/drawing/2014/main" id="{9CEF2DE4-2172-245A-D7A0-175BD90F8C70}"/>
               </a:ext>
             </a:extLst>
           </p:cNvPr>
@@ -1358,7 +1358,7 @@
         <p:cNvPr id="1" name="">
           <a:extLst>
             <a:ext uri="{FF2B5EF4-FFF2-40B4-BE49-F238E27FC236}">
-              <a16:creationId xmlns:a16="http://schemas.microsoft.com/office/drawing/2014/main" xmlns="" id="{D5ED0D02-7D39-0C49-DCB7-E5897EB0BE5D}"/>
+              <a16:creationId xmlns="" xmlns:a16="http://schemas.microsoft.com/office/drawing/2014/main" id="{D5ED0D02-7D39-0C49-DCB7-E5897EB0BE5D}"/>
             </a:ext>
           </a:extLst>
         </p:cNvPr>
@@ -1378,7 +1378,7 @@
           <p:cNvPr id="1188" name="PlaceHolder 1">
             <a:extLst>
               <a:ext uri="{FF2B5EF4-FFF2-40B4-BE49-F238E27FC236}">
-                <a16:creationId xmlns:a16="http://schemas.microsoft.com/office/drawing/2014/main" xmlns="" id="{966DE12F-6243-7008-E999-EF90E4882DA4}"/>
+                <a16:creationId xmlns="" xmlns:a16="http://schemas.microsoft.com/office/drawing/2014/main" id="{966DE12F-6243-7008-E999-EF90E4882DA4}"/>
               </a:ext>
             </a:extLst>
           </p:cNvPr>
@@ -1407,7 +1407,7 @@
           <p:cNvPr id="1189" name="PlaceHolder 2">
             <a:extLst>
               <a:ext uri="{FF2B5EF4-FFF2-40B4-BE49-F238E27FC236}">
-                <a16:creationId xmlns:a16="http://schemas.microsoft.com/office/drawing/2014/main" xmlns="" id="{B28297F8-98AF-5550-34F9-9E137D0A51EF}"/>
+                <a16:creationId xmlns="" xmlns:a16="http://schemas.microsoft.com/office/drawing/2014/main" id="{B28297F8-98AF-5550-34F9-9E137D0A51EF}"/>
               </a:ext>
             </a:extLst>
           </p:cNvPr>
@@ -1454,7 +1454,7 @@
           <p:cNvPr id="1190" name="PlaceHolder 3">
             <a:extLst>
               <a:ext uri="{FF2B5EF4-FFF2-40B4-BE49-F238E27FC236}">
-                <a16:creationId xmlns:a16="http://schemas.microsoft.com/office/drawing/2014/main" xmlns="" id="{973C04C9-D27B-FF69-F9E5-D9A76E56D517}"/>
+                <a16:creationId xmlns="" xmlns:a16="http://schemas.microsoft.com/office/drawing/2014/main" id="{973C04C9-D27B-FF69-F9E5-D9A76E56D517}"/>
               </a:ext>
             </a:extLst>
           </p:cNvPr>
@@ -1518,7 +1518,7 @@
         <p:cNvPr id="1" name="">
           <a:extLst>
             <a:ext uri="{FF2B5EF4-FFF2-40B4-BE49-F238E27FC236}">
-              <a16:creationId xmlns:a16="http://schemas.microsoft.com/office/drawing/2014/main" xmlns="" id="{812AA341-CD58-D779-917D-1703BC0FDEA2}"/>
+              <a16:creationId xmlns="" xmlns:a16="http://schemas.microsoft.com/office/drawing/2014/main" id="{812AA341-CD58-D779-917D-1703BC0FDEA2}"/>
             </a:ext>
           </a:extLst>
         </p:cNvPr>
@@ -1538,7 +1538,7 @@
           <p:cNvPr id="1188" name="PlaceHolder 1">
             <a:extLst>
               <a:ext uri="{FF2B5EF4-FFF2-40B4-BE49-F238E27FC236}">
-                <a16:creationId xmlns:a16="http://schemas.microsoft.com/office/drawing/2014/main" xmlns="" id="{43EE297E-7793-0BD4-466D-E4E55746743F}"/>
+                <a16:creationId xmlns="" xmlns:a16="http://schemas.microsoft.com/office/drawing/2014/main" id="{43EE297E-7793-0BD4-466D-E4E55746743F}"/>
               </a:ext>
             </a:extLst>
           </p:cNvPr>
@@ -1567,7 +1567,7 @@
           <p:cNvPr id="1189" name="PlaceHolder 2">
             <a:extLst>
               <a:ext uri="{FF2B5EF4-FFF2-40B4-BE49-F238E27FC236}">
-                <a16:creationId xmlns:a16="http://schemas.microsoft.com/office/drawing/2014/main" xmlns="" id="{2292EB63-439E-43D6-6C6C-787B151A063C}"/>
+                <a16:creationId xmlns="" xmlns:a16="http://schemas.microsoft.com/office/drawing/2014/main" id="{2292EB63-439E-43D6-6C6C-787B151A063C}"/>
               </a:ext>
             </a:extLst>
           </p:cNvPr>
@@ -1614,7 +1614,7 @@
           <p:cNvPr id="1190" name="PlaceHolder 3">
             <a:extLst>
               <a:ext uri="{FF2B5EF4-FFF2-40B4-BE49-F238E27FC236}">
-                <a16:creationId xmlns:a16="http://schemas.microsoft.com/office/drawing/2014/main" xmlns="" id="{47FC4B4A-6660-6843-B6F7-1FC9A2A7C4A3}"/>
+                <a16:creationId xmlns="" xmlns:a16="http://schemas.microsoft.com/office/drawing/2014/main" id="{47FC4B4A-6660-6843-B6F7-1FC9A2A7C4A3}"/>
               </a:ext>
             </a:extLst>
           </p:cNvPr>
@@ -1678,7 +1678,7 @@
         <p:cNvPr id="1" name="">
           <a:extLst>
             <a:ext uri="{FF2B5EF4-FFF2-40B4-BE49-F238E27FC236}">
-              <a16:creationId xmlns:a16="http://schemas.microsoft.com/office/drawing/2014/main" xmlns="" id="{E78272C6-8BCF-7475-43AB-48898B4338F6}"/>
+              <a16:creationId xmlns="" xmlns:a16="http://schemas.microsoft.com/office/drawing/2014/main" id="{E78272C6-8BCF-7475-43AB-48898B4338F6}"/>
             </a:ext>
           </a:extLst>
         </p:cNvPr>
@@ -1698,7 +1698,7 @@
           <p:cNvPr id="1188" name="PlaceHolder 1">
             <a:extLst>
               <a:ext uri="{FF2B5EF4-FFF2-40B4-BE49-F238E27FC236}">
-                <a16:creationId xmlns:a16="http://schemas.microsoft.com/office/drawing/2014/main" xmlns="" id="{B79CDFB6-FB44-69AC-C05D-7B3B2B2F0018}"/>
+                <a16:creationId xmlns="" xmlns:a16="http://schemas.microsoft.com/office/drawing/2014/main" id="{B79CDFB6-FB44-69AC-C05D-7B3B2B2F0018}"/>
               </a:ext>
             </a:extLst>
           </p:cNvPr>
@@ -1727,7 +1727,7 @@
           <p:cNvPr id="1189" name="PlaceHolder 2">
             <a:extLst>
               <a:ext uri="{FF2B5EF4-FFF2-40B4-BE49-F238E27FC236}">
-                <a16:creationId xmlns:a16="http://schemas.microsoft.com/office/drawing/2014/main" xmlns="" id="{2D48EDB9-44CE-2230-1C5E-6DBCAFDFE822}"/>
+                <a16:creationId xmlns="" xmlns:a16="http://schemas.microsoft.com/office/drawing/2014/main" id="{2D48EDB9-44CE-2230-1C5E-6DBCAFDFE822}"/>
               </a:ext>
             </a:extLst>
           </p:cNvPr>
@@ -1774,7 +1774,7 @@
           <p:cNvPr id="1190" name="PlaceHolder 3">
             <a:extLst>
               <a:ext uri="{FF2B5EF4-FFF2-40B4-BE49-F238E27FC236}">
-                <a16:creationId xmlns:a16="http://schemas.microsoft.com/office/drawing/2014/main" xmlns="" id="{2A3D029E-4666-D421-594B-77B5350985B5}"/>
+                <a16:creationId xmlns="" xmlns:a16="http://schemas.microsoft.com/office/drawing/2014/main" id="{2A3D029E-4666-D421-594B-77B5350985B5}"/>
               </a:ext>
             </a:extLst>
           </p:cNvPr>
@@ -1838,7 +1838,7 @@
         <p:cNvPr id="1" name="">
           <a:extLst>
             <a:ext uri="{FF2B5EF4-FFF2-40B4-BE49-F238E27FC236}">
-              <a16:creationId xmlns:a16="http://schemas.microsoft.com/office/drawing/2014/main" xmlns="" id="{F97A55AD-7914-5209-3405-22A3ADA3FD38}"/>
+              <a16:creationId xmlns="" xmlns:a16="http://schemas.microsoft.com/office/drawing/2014/main" id="{F97A55AD-7914-5209-3405-22A3ADA3FD38}"/>
             </a:ext>
           </a:extLst>
         </p:cNvPr>
@@ -1858,7 +1858,7 @@
           <p:cNvPr id="1185" name="PlaceHolder 1">
             <a:extLst>
               <a:ext uri="{FF2B5EF4-FFF2-40B4-BE49-F238E27FC236}">
-                <a16:creationId xmlns:a16="http://schemas.microsoft.com/office/drawing/2014/main" xmlns="" id="{196A6DDE-940B-9066-0002-0DE961800735}"/>
+                <a16:creationId xmlns="" xmlns:a16="http://schemas.microsoft.com/office/drawing/2014/main" id="{196A6DDE-940B-9066-0002-0DE961800735}"/>
               </a:ext>
             </a:extLst>
           </p:cNvPr>
@@ -1887,7 +1887,7 @@
           <p:cNvPr id="1186" name="PlaceHolder 2">
             <a:extLst>
               <a:ext uri="{FF2B5EF4-FFF2-40B4-BE49-F238E27FC236}">
-                <a16:creationId xmlns:a16="http://schemas.microsoft.com/office/drawing/2014/main" xmlns="" id="{EF040F41-5F6D-E974-ED76-9DE842D87385}"/>
+                <a16:creationId xmlns="" xmlns:a16="http://schemas.microsoft.com/office/drawing/2014/main" id="{EF040F41-5F6D-E974-ED76-9DE842D87385}"/>
               </a:ext>
             </a:extLst>
           </p:cNvPr>
@@ -1934,7 +1934,7 @@
           <p:cNvPr id="1187" name="PlaceHolder 3">
             <a:extLst>
               <a:ext uri="{FF2B5EF4-FFF2-40B4-BE49-F238E27FC236}">
-                <a16:creationId xmlns:a16="http://schemas.microsoft.com/office/drawing/2014/main" xmlns="" id="{E9A8753A-5FD2-7FD7-4704-39B4548B1D21}"/>
+                <a16:creationId xmlns="" xmlns:a16="http://schemas.microsoft.com/office/drawing/2014/main" id="{E9A8753A-5FD2-7FD7-4704-39B4548B1D21}"/>
               </a:ext>
             </a:extLst>
           </p:cNvPr>
@@ -2814,7 +2814,7 @@
         <p:cNvPr id="1" name="">
           <a:extLst>
             <a:ext uri="{FF2B5EF4-FFF2-40B4-BE49-F238E27FC236}">
-              <a16:creationId xmlns:a16="http://schemas.microsoft.com/office/drawing/2014/main" xmlns="" id="{1C76CB10-85AA-60BB-A388-A2EF6F7F659D}"/>
+              <a16:creationId xmlns="" xmlns:a16="http://schemas.microsoft.com/office/drawing/2014/main" id="{1C76CB10-85AA-60BB-A388-A2EF6F7F659D}"/>
             </a:ext>
           </a:extLst>
         </p:cNvPr>
@@ -2834,7 +2834,7 @@
           <p:cNvPr id="1185" name="PlaceHolder 1">
             <a:extLst>
               <a:ext uri="{FF2B5EF4-FFF2-40B4-BE49-F238E27FC236}">
-                <a16:creationId xmlns:a16="http://schemas.microsoft.com/office/drawing/2014/main" xmlns="" id="{0CAB2B40-D363-CE85-7989-B404664D644B}"/>
+                <a16:creationId xmlns="" xmlns:a16="http://schemas.microsoft.com/office/drawing/2014/main" id="{0CAB2B40-D363-CE85-7989-B404664D644B}"/>
               </a:ext>
             </a:extLst>
           </p:cNvPr>
@@ -2863,7 +2863,7 @@
           <p:cNvPr id="1186" name="PlaceHolder 2">
             <a:extLst>
               <a:ext uri="{FF2B5EF4-FFF2-40B4-BE49-F238E27FC236}">
-                <a16:creationId xmlns:a16="http://schemas.microsoft.com/office/drawing/2014/main" xmlns="" id="{DC6F66CA-FEAD-3413-4850-ED4430712DD4}"/>
+                <a16:creationId xmlns="" xmlns:a16="http://schemas.microsoft.com/office/drawing/2014/main" id="{DC6F66CA-FEAD-3413-4850-ED4430712DD4}"/>
               </a:ext>
             </a:extLst>
           </p:cNvPr>
@@ -2910,7 +2910,7 @@
           <p:cNvPr id="1187" name="PlaceHolder 3">
             <a:extLst>
               <a:ext uri="{FF2B5EF4-FFF2-40B4-BE49-F238E27FC236}">
-                <a16:creationId xmlns:a16="http://schemas.microsoft.com/office/drawing/2014/main" xmlns="" id="{9050A435-2756-7E18-23C3-73BCA5268DD9}"/>
+                <a16:creationId xmlns="" xmlns:a16="http://schemas.microsoft.com/office/drawing/2014/main" id="{9050A435-2756-7E18-23C3-73BCA5268DD9}"/>
               </a:ext>
             </a:extLst>
           </p:cNvPr>
@@ -2974,7 +2974,7 @@
         <p:cNvPr id="1" name="">
           <a:extLst>
             <a:ext uri="{FF2B5EF4-FFF2-40B4-BE49-F238E27FC236}">
-              <a16:creationId xmlns:a16="http://schemas.microsoft.com/office/drawing/2014/main" xmlns="" id="{253857B5-34BA-D4FF-42D9-44F66D2DB09D}"/>
+              <a16:creationId xmlns="" xmlns:a16="http://schemas.microsoft.com/office/drawing/2014/main" id="{253857B5-34BA-D4FF-42D9-44F66D2DB09D}"/>
             </a:ext>
           </a:extLst>
         </p:cNvPr>
@@ -2994,7 +2994,7 @@
           <p:cNvPr id="1185" name="PlaceHolder 1">
             <a:extLst>
               <a:ext uri="{FF2B5EF4-FFF2-40B4-BE49-F238E27FC236}">
-                <a16:creationId xmlns:a16="http://schemas.microsoft.com/office/drawing/2014/main" xmlns="" id="{1DCB13E9-63C0-0ACB-BF52-824B51E8A490}"/>
+                <a16:creationId xmlns="" xmlns:a16="http://schemas.microsoft.com/office/drawing/2014/main" id="{1DCB13E9-63C0-0ACB-BF52-824B51E8A490}"/>
               </a:ext>
             </a:extLst>
           </p:cNvPr>
@@ -3023,7 +3023,7 @@
           <p:cNvPr id="1186" name="PlaceHolder 2">
             <a:extLst>
               <a:ext uri="{FF2B5EF4-FFF2-40B4-BE49-F238E27FC236}">
-                <a16:creationId xmlns:a16="http://schemas.microsoft.com/office/drawing/2014/main" xmlns="" id="{15DA2B41-8CC9-BFF4-8CA1-8E03D48A2E5D}"/>
+                <a16:creationId xmlns="" xmlns:a16="http://schemas.microsoft.com/office/drawing/2014/main" id="{15DA2B41-8CC9-BFF4-8CA1-8E03D48A2E5D}"/>
               </a:ext>
             </a:extLst>
           </p:cNvPr>
@@ -3070,7 +3070,7 @@
           <p:cNvPr id="1187" name="PlaceHolder 3">
             <a:extLst>
               <a:ext uri="{FF2B5EF4-FFF2-40B4-BE49-F238E27FC236}">
-                <a16:creationId xmlns:a16="http://schemas.microsoft.com/office/drawing/2014/main" xmlns="" id="{932EB207-1628-6F70-6C9E-4E088FAB93C1}"/>
+                <a16:creationId xmlns="" xmlns:a16="http://schemas.microsoft.com/office/drawing/2014/main" id="{932EB207-1628-6F70-6C9E-4E088FAB93C1}"/>
               </a:ext>
             </a:extLst>
           </p:cNvPr>
@@ -3134,7 +3134,7 @@
         <p:cNvPr id="1" name="">
           <a:extLst>
             <a:ext uri="{FF2B5EF4-FFF2-40B4-BE49-F238E27FC236}">
-              <a16:creationId xmlns:a16="http://schemas.microsoft.com/office/drawing/2014/main" xmlns="" id="{46C6C7F4-2C77-171D-53CF-11F3D355DD55}"/>
+              <a16:creationId xmlns="" xmlns:a16="http://schemas.microsoft.com/office/drawing/2014/main" id="{46C6C7F4-2C77-171D-53CF-11F3D355DD55}"/>
             </a:ext>
           </a:extLst>
         </p:cNvPr>
@@ -3154,7 +3154,7 @@
           <p:cNvPr id="1185" name="PlaceHolder 1">
             <a:extLst>
               <a:ext uri="{FF2B5EF4-FFF2-40B4-BE49-F238E27FC236}">
-                <a16:creationId xmlns:a16="http://schemas.microsoft.com/office/drawing/2014/main" xmlns="" id="{32EBDE61-50A7-FDD5-1811-D33145367D39}"/>
+                <a16:creationId xmlns="" xmlns:a16="http://schemas.microsoft.com/office/drawing/2014/main" id="{32EBDE61-50A7-FDD5-1811-D33145367D39}"/>
               </a:ext>
             </a:extLst>
           </p:cNvPr>
@@ -3183,7 +3183,7 @@
           <p:cNvPr id="1186" name="PlaceHolder 2">
             <a:extLst>
               <a:ext uri="{FF2B5EF4-FFF2-40B4-BE49-F238E27FC236}">
-                <a16:creationId xmlns:a16="http://schemas.microsoft.com/office/drawing/2014/main" xmlns="" id="{ACFF8155-26A2-1E31-95C0-9C623B46803B}"/>
+                <a16:creationId xmlns="" xmlns:a16="http://schemas.microsoft.com/office/drawing/2014/main" id="{ACFF8155-26A2-1E31-95C0-9C623B46803B}"/>
               </a:ext>
             </a:extLst>
           </p:cNvPr>
@@ -3230,7 +3230,7 @@
           <p:cNvPr id="1187" name="PlaceHolder 3">
             <a:extLst>
               <a:ext uri="{FF2B5EF4-FFF2-40B4-BE49-F238E27FC236}">
-                <a16:creationId xmlns:a16="http://schemas.microsoft.com/office/drawing/2014/main" xmlns="" id="{0BAD516C-79CF-2CB3-CAD8-47DE339E8848}"/>
+                <a16:creationId xmlns="" xmlns:a16="http://schemas.microsoft.com/office/drawing/2014/main" id="{0BAD516C-79CF-2CB3-CAD8-47DE339E8848}"/>
               </a:ext>
             </a:extLst>
           </p:cNvPr>
@@ -3294,7 +3294,7 @@
         <p:cNvPr id="1" name="">
           <a:extLst>
             <a:ext uri="{FF2B5EF4-FFF2-40B4-BE49-F238E27FC236}">
-              <a16:creationId xmlns:a16="http://schemas.microsoft.com/office/drawing/2014/main" xmlns="" id="{F8806A73-C3DD-23B1-BD62-618260DFC5D2}"/>
+              <a16:creationId xmlns="" xmlns:a16="http://schemas.microsoft.com/office/drawing/2014/main" id="{F8806A73-C3DD-23B1-BD62-618260DFC5D2}"/>
             </a:ext>
           </a:extLst>
         </p:cNvPr>
@@ -3314,7 +3314,7 @@
           <p:cNvPr id="1185" name="PlaceHolder 1">
             <a:extLst>
               <a:ext uri="{FF2B5EF4-FFF2-40B4-BE49-F238E27FC236}">
-                <a16:creationId xmlns:a16="http://schemas.microsoft.com/office/drawing/2014/main" xmlns="" id="{A773BCFC-50FA-1635-024A-5300EDE68690}"/>
+                <a16:creationId xmlns="" xmlns:a16="http://schemas.microsoft.com/office/drawing/2014/main" id="{A773BCFC-50FA-1635-024A-5300EDE68690}"/>
               </a:ext>
             </a:extLst>
           </p:cNvPr>
@@ -3343,7 +3343,7 @@
           <p:cNvPr id="1186" name="PlaceHolder 2">
             <a:extLst>
               <a:ext uri="{FF2B5EF4-FFF2-40B4-BE49-F238E27FC236}">
-                <a16:creationId xmlns:a16="http://schemas.microsoft.com/office/drawing/2014/main" xmlns="" id="{4C8D5996-C114-DC43-A238-7AEBE2AA94D4}"/>
+                <a16:creationId xmlns="" xmlns:a16="http://schemas.microsoft.com/office/drawing/2014/main" id="{4C8D5996-C114-DC43-A238-7AEBE2AA94D4}"/>
               </a:ext>
             </a:extLst>
           </p:cNvPr>
@@ -3390,7 +3390,7 @@
           <p:cNvPr id="1187" name="PlaceHolder 3">
             <a:extLst>
               <a:ext uri="{FF2B5EF4-FFF2-40B4-BE49-F238E27FC236}">
-                <a16:creationId xmlns:a16="http://schemas.microsoft.com/office/drawing/2014/main" xmlns="" id="{6D640F78-EEB0-E040-2577-6DFDB80474FA}"/>
+                <a16:creationId xmlns="" xmlns:a16="http://schemas.microsoft.com/office/drawing/2014/main" id="{6D640F78-EEB0-E040-2577-6DFDB80474FA}"/>
               </a:ext>
             </a:extLst>
           </p:cNvPr>
@@ -3577,7 +3577,7 @@
           <a:p>
             <a:fld id="{2B827834-13C9-465C-ADDB-EE5A40A20F3D}" type="datetimeFigureOut">
               <a:rPr lang="ru-RU" smtClean="0"/>
-              <a:t>14.02.2025</a:t>
+              <a:t>15.02.2025</a:t>
             </a:fld>
             <a:endParaRPr lang="ru-RU"/>
           </a:p>
@@ -3747,7 +3747,7 @@
           <a:p>
             <a:fld id="{2B827834-13C9-465C-ADDB-EE5A40A20F3D}" type="datetimeFigureOut">
               <a:rPr lang="ru-RU" smtClean="0"/>
-              <a:t>14.02.2025</a:t>
+              <a:t>15.02.2025</a:t>
             </a:fld>
             <a:endParaRPr lang="ru-RU"/>
           </a:p>
@@ -3927,7 +3927,7 @@
           <a:p>
             <a:fld id="{2B827834-13C9-465C-ADDB-EE5A40A20F3D}" type="datetimeFigureOut">
               <a:rPr lang="ru-RU" smtClean="0"/>
-              <a:t>14.02.2025</a:t>
+              <a:t>15.02.2025</a:t>
             </a:fld>
             <a:endParaRPr lang="ru-RU"/>
           </a:p>
@@ -4097,7 +4097,7 @@
           <a:p>
             <a:fld id="{2B827834-13C9-465C-ADDB-EE5A40A20F3D}" type="datetimeFigureOut">
               <a:rPr lang="ru-RU" smtClean="0"/>
-              <a:t>14.02.2025</a:t>
+              <a:t>15.02.2025</a:t>
             </a:fld>
             <a:endParaRPr lang="ru-RU"/>
           </a:p>
@@ -4343,7 +4343,7 @@
           <a:p>
             <a:fld id="{2B827834-13C9-465C-ADDB-EE5A40A20F3D}" type="datetimeFigureOut">
               <a:rPr lang="ru-RU" smtClean="0"/>
-              <a:t>14.02.2025</a:t>
+              <a:t>15.02.2025</a:t>
             </a:fld>
             <a:endParaRPr lang="ru-RU"/>
           </a:p>
@@ -4575,7 +4575,7 @@
           <a:p>
             <a:fld id="{2B827834-13C9-465C-ADDB-EE5A40A20F3D}" type="datetimeFigureOut">
               <a:rPr lang="ru-RU" smtClean="0"/>
-              <a:t>14.02.2025</a:t>
+              <a:t>15.02.2025</a:t>
             </a:fld>
             <a:endParaRPr lang="ru-RU"/>
           </a:p>
@@ -4942,7 +4942,7 @@
           <a:p>
             <a:fld id="{2B827834-13C9-465C-ADDB-EE5A40A20F3D}" type="datetimeFigureOut">
               <a:rPr lang="ru-RU" smtClean="0"/>
-              <a:t>14.02.2025</a:t>
+              <a:t>15.02.2025</a:t>
             </a:fld>
             <a:endParaRPr lang="ru-RU"/>
           </a:p>
@@ -5060,7 +5060,7 @@
           <a:p>
             <a:fld id="{2B827834-13C9-465C-ADDB-EE5A40A20F3D}" type="datetimeFigureOut">
               <a:rPr lang="ru-RU" smtClean="0"/>
-              <a:t>14.02.2025</a:t>
+              <a:t>15.02.2025</a:t>
             </a:fld>
             <a:endParaRPr lang="ru-RU"/>
           </a:p>
@@ -5155,7 +5155,7 @@
           <a:p>
             <a:fld id="{2B827834-13C9-465C-ADDB-EE5A40A20F3D}" type="datetimeFigureOut">
               <a:rPr lang="ru-RU" smtClean="0"/>
-              <a:t>14.02.2025</a:t>
+              <a:t>15.02.2025</a:t>
             </a:fld>
             <a:endParaRPr lang="ru-RU"/>
           </a:p>
@@ -5432,7 +5432,7 @@
           <a:p>
             <a:fld id="{2B827834-13C9-465C-ADDB-EE5A40A20F3D}" type="datetimeFigureOut">
               <a:rPr lang="ru-RU" smtClean="0"/>
-              <a:t>14.02.2025</a:t>
+              <a:t>15.02.2025</a:t>
             </a:fld>
             <a:endParaRPr lang="ru-RU"/>
           </a:p>
@@ -5685,7 +5685,7 @@
           <a:p>
             <a:fld id="{2B827834-13C9-465C-ADDB-EE5A40A20F3D}" type="datetimeFigureOut">
               <a:rPr lang="ru-RU" smtClean="0"/>
-              <a:t>14.02.2025</a:t>
+              <a:t>15.02.2025</a:t>
             </a:fld>
             <a:endParaRPr lang="ru-RU"/>
           </a:p>
@@ -5898,7 +5898,7 @@
           <a:p>
             <a:fld id="{2B827834-13C9-465C-ADDB-EE5A40A20F3D}" type="datetimeFigureOut">
               <a:rPr lang="ru-RU" smtClean="0"/>
-              <a:t>14.02.2025</a:t>
+              <a:t>15.02.2025</a:t>
             </a:fld>
             <a:endParaRPr lang="ru-RU"/>
           </a:p>
@@ -6319,8 +6319,8 @@
         </p:nvSpPr>
         <p:spPr>
           <a:xfrm>
-            <a:off x="-36195" y="1608455"/>
-            <a:ext cx="9143640" cy="1321985"/>
+            <a:off x="155787" y="260562"/>
+            <a:ext cx="8897472" cy="1321985"/>
           </a:xfrm>
           <a:prstGeom prst="rect">
             <a:avLst/>
@@ -6343,7 +6343,7 @@
           <a:fontRef idx="minor"/>
         </p:style>
         <p:txBody>
-          <a:bodyPr lIns="90000" tIns="45000" rIns="90000" bIns="45000" anchor="t">
+          <a:bodyPr wrap="square" lIns="90000" tIns="45000" rIns="90000" bIns="45000" anchor="t">
             <a:spAutoFit/>
           </a:bodyPr>
           <a:lstStyle/>
@@ -6388,8 +6388,8 @@
         </p:nvSpPr>
         <p:spPr>
           <a:xfrm>
-            <a:off x="0" y="3535045"/>
-            <a:ext cx="9182100" cy="1605280"/>
+            <a:off x="155787" y="1916218"/>
+            <a:ext cx="8935932" cy="1057275"/>
           </a:xfrm>
           <a:prstGeom prst="rect">
             <a:avLst/>
@@ -6559,6 +6559,89 @@
                 <a:latin typeface="Arial" panose="020B0604020202020204"/>
               </a:rPr>
               <a:t>Ильгизович</a:t>
+            </a:r>
+            <a:endParaRPr lang="ru-RU" sz="2000" b="0" strike="noStrike" spc="-1" dirty="0">
+              <a:latin typeface="Arial" panose="020B0604020202020204"/>
+            </a:endParaRPr>
+          </a:p>
+        </p:txBody>
+      </p:sp>
+      <p:sp>
+        <p:nvSpPr>
+          <p:cNvPr id="4" name="文本框 213"/>
+          <p:cNvSpPr/>
+          <p:nvPr/>
+        </p:nvSpPr>
+        <p:spPr>
+          <a:xfrm>
+            <a:off x="155787" y="3220085"/>
+            <a:ext cx="8897472" cy="1605280"/>
+          </a:xfrm>
+          <a:prstGeom prst="rect">
+            <a:avLst/>
+          </a:prstGeom>
+          <a:noFill/>
+          <a:ln w="0">
+            <a:noFill/>
+          </a:ln>
+        </p:spPr>
+        <p:style>
+          <a:lnRef idx="0">
+            <a:srgbClr val="FFFFFF"/>
+          </a:lnRef>
+          <a:fillRef idx="0">
+            <a:srgbClr val="FFFFFF"/>
+          </a:fillRef>
+          <a:effectRef idx="0">
+            <a:srgbClr val="FFFFFF"/>
+          </a:effectRef>
+          <a:fontRef idx="minor"/>
+        </p:style>
+        <p:txBody>
+          <a:bodyPr lIns="90000" tIns="45000" rIns="90000" bIns="45000" anchor="t">
+            <a:noAutofit/>
+          </a:bodyPr>
+          <a:lstStyle/>
+          <a:p>
+            <a:pPr algn="r" defTabSz="685800">
+              <a:lnSpc>
+                <a:spcPct val="100000"/>
+              </a:lnSpc>
+            </a:pPr>
+            <a:r>
+              <a:rPr lang="ru-RU" sz="2000" b="0" strike="noStrike" spc="-1" dirty="0" smtClean="0">
+                <a:latin typeface="Arial" panose="020B0604020202020204"/>
+                <a:ea typeface="Arial" panose="020B0604020202020204"/>
+              </a:rPr>
+              <a:t>Руководитель</a:t>
+            </a:r>
+            <a:r>
+              <a:rPr lang="en-US" sz="2000" b="0" strike="noStrike" spc="-1" dirty="0" smtClean="0">
+                <a:latin typeface="Arial" panose="020B0604020202020204"/>
+                <a:ea typeface="Arial" panose="020B0604020202020204"/>
+              </a:rPr>
+              <a:t>:</a:t>
+            </a:r>
+            <a:r>
+              <a:rPr lang="ru-RU" sz="2000" b="0" strike="noStrike" spc="-1" dirty="0" smtClean="0">
+                <a:latin typeface="Arial" panose="020B0604020202020204"/>
+                <a:ea typeface="Arial" panose="020B0604020202020204"/>
+              </a:rPr>
+              <a:t> </a:t>
+            </a:r>
+            <a:r>
+              <a:rPr lang="ru-RU" sz="2000" b="0" strike="noStrike" spc="-1" dirty="0" err="1" smtClean="0">
+                <a:latin typeface="Arial" panose="020B0604020202020204"/>
+                <a:ea typeface="Arial" panose="020B0604020202020204"/>
+              </a:rPr>
+              <a:t>Дральщиков</a:t>
+            </a:r>
+            <a:r>
+              <a:rPr lang="ru-RU" sz="2000" b="0" strike="noStrike" spc="-1" dirty="0" smtClean="0">
+                <a:latin typeface="Arial" panose="020B0604020202020204"/>
+                <a:ea typeface="Arial" panose="020B0604020202020204"/>
+              </a:rPr>
+              <a:t> Никита Сергеевич</a:t>
             </a:r>
             <a:endParaRPr lang="ru-RU" sz="2000" b="0" strike="noStrike" spc="-1" dirty="0">
               <a:latin typeface="Arial" panose="020B0604020202020204"/>
@@ -6597,7 +6680,7 @@
         <p:cNvPr id="1" name="">
           <a:extLst>
             <a:ext uri="{FF2B5EF4-FFF2-40B4-BE49-F238E27FC236}">
-              <a16:creationId xmlns:a16="http://schemas.microsoft.com/office/drawing/2014/main" xmlns="" id="{214972BF-9B8A-13FB-0D83-627A994D75EC}"/>
+              <a16:creationId xmlns="" xmlns:a16="http://schemas.microsoft.com/office/drawing/2014/main" id="{214972BF-9B8A-13FB-0D83-627A994D75EC}"/>
             </a:ext>
           </a:extLst>
         </p:cNvPr>
@@ -6617,7 +6700,7 @@
           <p:cNvPr id="691" name="文本框 25">
             <a:extLst>
               <a:ext uri="{FF2B5EF4-FFF2-40B4-BE49-F238E27FC236}">
-                <a16:creationId xmlns:a16="http://schemas.microsoft.com/office/drawing/2014/main" xmlns="" id="{0ADB4290-C2CD-2443-763A-A9E20DFC270C}"/>
+                <a16:creationId xmlns="" xmlns:a16="http://schemas.microsoft.com/office/drawing/2014/main" id="{0ADB4290-C2CD-2443-763A-A9E20DFC270C}"/>
               </a:ext>
             </a:extLst>
           </p:cNvPr>
@@ -6681,7 +6764,7 @@
           <p:cNvPr id="3" name="文本框 17">
             <a:extLst>
               <a:ext uri="{FF2B5EF4-FFF2-40B4-BE49-F238E27FC236}">
-                <a16:creationId xmlns:a16="http://schemas.microsoft.com/office/drawing/2014/main" xmlns="" id="{B6DE1295-AD6F-0328-918E-F99A16A609E5}"/>
+                <a16:creationId xmlns="" xmlns:a16="http://schemas.microsoft.com/office/drawing/2014/main" id="{B6DE1295-AD6F-0328-918E-F99A16A609E5}"/>
               </a:ext>
             </a:extLst>
           </p:cNvPr>
@@ -6984,7 +7067,7 @@
         <p:cNvPr id="1" name="">
           <a:extLst>
             <a:ext uri="{FF2B5EF4-FFF2-40B4-BE49-F238E27FC236}">
-              <a16:creationId xmlns:a16="http://schemas.microsoft.com/office/drawing/2014/main" xmlns="" id="{C4E16619-16CB-7B88-9BDA-BC8ECCDAD4BE}"/>
+              <a16:creationId xmlns="" xmlns:a16="http://schemas.microsoft.com/office/drawing/2014/main" id="{C4E16619-16CB-7B88-9BDA-BC8ECCDAD4BE}"/>
             </a:ext>
           </a:extLst>
         </p:cNvPr>
@@ -7004,7 +7087,7 @@
           <p:cNvPr id="2" name="文本框 20">
             <a:extLst>
               <a:ext uri="{FF2B5EF4-FFF2-40B4-BE49-F238E27FC236}">
-                <a16:creationId xmlns:a16="http://schemas.microsoft.com/office/drawing/2014/main" xmlns="" id="{B5BF1A21-A34D-6DB8-065E-50672F8F1B29}"/>
+                <a16:creationId xmlns="" xmlns:a16="http://schemas.microsoft.com/office/drawing/2014/main" id="{B5BF1A21-A34D-6DB8-065E-50672F8F1B29}"/>
               </a:ext>
             </a:extLst>
           </p:cNvPr>
@@ -7065,7 +7148,7 @@
           <p:cNvPr id="6" name="Picture 5">
             <a:extLst>
               <a:ext uri="{FF2B5EF4-FFF2-40B4-BE49-F238E27FC236}">
-                <a16:creationId xmlns:a16="http://schemas.microsoft.com/office/drawing/2014/main" xmlns="" id="{C98B061F-8FAC-F7A1-A8A3-A0516FA6B1E0}"/>
+                <a16:creationId xmlns="" xmlns:a16="http://schemas.microsoft.com/office/drawing/2014/main" id="{C98B061F-8FAC-F7A1-A8A3-A0516FA6B1E0}"/>
               </a:ext>
             </a:extLst>
           </p:cNvPr>
@@ -7133,7 +7216,7 @@
           <p:cNvPr id="2" name="文本框 20">
             <a:extLst>
               <a:ext uri="{FF2B5EF4-FFF2-40B4-BE49-F238E27FC236}">
-                <a16:creationId xmlns:a16="http://schemas.microsoft.com/office/drawing/2014/main" xmlns="" id="{7BDCF8C0-306C-349D-D21A-C211A74A0FF7}"/>
+                <a16:creationId xmlns="" xmlns:a16="http://schemas.microsoft.com/office/drawing/2014/main" id="{7BDCF8C0-306C-349D-D21A-C211A74A0FF7}"/>
               </a:ext>
             </a:extLst>
           </p:cNvPr>
@@ -7194,7 +7277,7 @@
           <p:cNvPr id="3" name="Table 2">
             <a:extLst>
               <a:ext uri="{FF2B5EF4-FFF2-40B4-BE49-F238E27FC236}">
-                <a16:creationId xmlns:a16="http://schemas.microsoft.com/office/drawing/2014/main" xmlns="" id="{B0BFCAAA-2084-CF34-197D-5CD41651D08A}"/>
+                <a16:creationId xmlns="" xmlns:a16="http://schemas.microsoft.com/office/drawing/2014/main" id="{B0BFCAAA-2084-CF34-197D-5CD41651D08A}"/>
               </a:ext>
             </a:extLst>
           </p:cNvPr>
@@ -7223,21 +7306,21 @@
                 <a:gridCol w="2954020">
                   <a:extLst>
                     <a:ext uri="{9D8B030D-6E8A-4147-A177-3AD203B41FA5}">
-                      <a16:colId xmlns:a16="http://schemas.microsoft.com/office/drawing/2014/main" xmlns="" val="914969026"/>
+                      <a16:colId xmlns="" xmlns:a16="http://schemas.microsoft.com/office/drawing/2014/main" val="914969026"/>
                     </a:ext>
                   </a:extLst>
                 </a:gridCol>
                 <a:gridCol w="2954020">
                   <a:extLst>
                     <a:ext uri="{9D8B030D-6E8A-4147-A177-3AD203B41FA5}">
-                      <a16:colId xmlns:a16="http://schemas.microsoft.com/office/drawing/2014/main" xmlns="" val="1528005582"/>
+                      <a16:colId xmlns="" xmlns:a16="http://schemas.microsoft.com/office/drawing/2014/main" val="1528005582"/>
                     </a:ext>
                   </a:extLst>
                 </a:gridCol>
                 <a:gridCol w="2954020">
                   <a:extLst>
                     <a:ext uri="{9D8B030D-6E8A-4147-A177-3AD203B41FA5}">
-                      <a16:colId xmlns:a16="http://schemas.microsoft.com/office/drawing/2014/main" xmlns="" val="1610211049"/>
+                      <a16:colId xmlns="" xmlns:a16="http://schemas.microsoft.com/office/drawing/2014/main" val="1610211049"/>
                     </a:ext>
                   </a:extLst>
                 </a:gridCol>
@@ -7309,7 +7392,7 @@
                 </a:tc>
                 <a:extLst>
                   <a:ext uri="{0D108BD9-81ED-4DB2-BD59-A6C34878D82A}">
-                    <a16:rowId xmlns:a16="http://schemas.microsoft.com/office/drawing/2014/main" xmlns="" val="1843256561"/>
+                    <a16:rowId xmlns="" xmlns:a16="http://schemas.microsoft.com/office/drawing/2014/main" val="1843256561"/>
                   </a:ext>
                 </a:extLst>
               </a:tr>
@@ -7449,7 +7532,7 @@
                 </a:tc>
                 <a:extLst>
                   <a:ext uri="{0D108BD9-81ED-4DB2-BD59-A6C34878D82A}">
-                    <a16:rowId xmlns:a16="http://schemas.microsoft.com/office/drawing/2014/main" xmlns="" val="1540493574"/>
+                    <a16:rowId xmlns="" xmlns:a16="http://schemas.microsoft.com/office/drawing/2014/main" val="1540493574"/>
                   </a:ext>
                 </a:extLst>
               </a:tr>
@@ -7666,7 +7749,7 @@
                 </a:tc>
                 <a:extLst>
                   <a:ext uri="{0D108BD9-81ED-4DB2-BD59-A6C34878D82A}">
-                    <a16:rowId xmlns:a16="http://schemas.microsoft.com/office/drawing/2014/main" xmlns="" val="3239376749"/>
+                    <a16:rowId xmlns="" xmlns:a16="http://schemas.microsoft.com/office/drawing/2014/main" val="3239376749"/>
                   </a:ext>
                 </a:extLst>
               </a:tr>
@@ -7705,7 +7788,7 @@
         <p:cNvPr id="1" name="">
           <a:extLst>
             <a:ext uri="{FF2B5EF4-FFF2-40B4-BE49-F238E27FC236}">
-              <a16:creationId xmlns:a16="http://schemas.microsoft.com/office/drawing/2014/main" xmlns="" id="{2CE90AE3-B207-A3DF-6141-B2893BA28687}"/>
+              <a16:creationId xmlns="" xmlns:a16="http://schemas.microsoft.com/office/drawing/2014/main" id="{2CE90AE3-B207-A3DF-6141-B2893BA28687}"/>
             </a:ext>
           </a:extLst>
         </p:cNvPr>
@@ -7725,7 +7808,7 @@
           <p:cNvPr id="2" name="文本框 20">
             <a:extLst>
               <a:ext uri="{FF2B5EF4-FFF2-40B4-BE49-F238E27FC236}">
-                <a16:creationId xmlns:a16="http://schemas.microsoft.com/office/drawing/2014/main" xmlns="" id="{5835BF5D-F4CC-80CC-8860-81C1792EBE4E}"/>
+                <a16:creationId xmlns="" xmlns:a16="http://schemas.microsoft.com/office/drawing/2014/main" id="{5835BF5D-F4CC-80CC-8860-81C1792EBE4E}"/>
               </a:ext>
             </a:extLst>
           </p:cNvPr>
@@ -7786,7 +7869,7 @@
           <p:cNvPr id="3" name="Table 2">
             <a:extLst>
               <a:ext uri="{FF2B5EF4-FFF2-40B4-BE49-F238E27FC236}">
-                <a16:creationId xmlns:a16="http://schemas.microsoft.com/office/drawing/2014/main" xmlns="" id="{D47DE6C9-BE3D-068F-DCF1-AD44C3C542BC}"/>
+                <a16:creationId xmlns="" xmlns:a16="http://schemas.microsoft.com/office/drawing/2014/main" id="{D47DE6C9-BE3D-068F-DCF1-AD44C3C542BC}"/>
               </a:ext>
             </a:extLst>
           </p:cNvPr>
@@ -7815,21 +7898,21 @@
                 <a:gridCol w="2954020">
                   <a:extLst>
                     <a:ext uri="{9D8B030D-6E8A-4147-A177-3AD203B41FA5}">
-                      <a16:colId xmlns:a16="http://schemas.microsoft.com/office/drawing/2014/main" xmlns="" val="914969026"/>
+                      <a16:colId xmlns="" xmlns:a16="http://schemas.microsoft.com/office/drawing/2014/main" val="914969026"/>
                     </a:ext>
                   </a:extLst>
                 </a:gridCol>
                 <a:gridCol w="2954020">
                   <a:extLst>
                     <a:ext uri="{9D8B030D-6E8A-4147-A177-3AD203B41FA5}">
-                      <a16:colId xmlns:a16="http://schemas.microsoft.com/office/drawing/2014/main" xmlns="" val="1528005582"/>
+                      <a16:colId xmlns="" xmlns:a16="http://schemas.microsoft.com/office/drawing/2014/main" val="1528005582"/>
                     </a:ext>
                   </a:extLst>
                 </a:gridCol>
                 <a:gridCol w="2954020">
                   <a:extLst>
                     <a:ext uri="{9D8B030D-6E8A-4147-A177-3AD203B41FA5}">
-                      <a16:colId xmlns:a16="http://schemas.microsoft.com/office/drawing/2014/main" xmlns="" val="1610211049"/>
+                      <a16:colId xmlns="" xmlns:a16="http://schemas.microsoft.com/office/drawing/2014/main" val="1610211049"/>
                     </a:ext>
                   </a:extLst>
                 </a:gridCol>
@@ -7901,7 +7984,7 @@
                 </a:tc>
                 <a:extLst>
                   <a:ext uri="{0D108BD9-81ED-4DB2-BD59-A6C34878D82A}">
-                    <a16:rowId xmlns:a16="http://schemas.microsoft.com/office/drawing/2014/main" xmlns="" val="1843256561"/>
+                    <a16:rowId xmlns="" xmlns:a16="http://schemas.microsoft.com/office/drawing/2014/main" val="1843256561"/>
                   </a:ext>
                 </a:extLst>
               </a:tr>
@@ -8055,7 +8138,7 @@
                 </a:tc>
                 <a:extLst>
                   <a:ext uri="{0D108BD9-81ED-4DB2-BD59-A6C34878D82A}">
-                    <a16:rowId xmlns:a16="http://schemas.microsoft.com/office/drawing/2014/main" xmlns="" val="1540493574"/>
+                    <a16:rowId xmlns="" xmlns:a16="http://schemas.microsoft.com/office/drawing/2014/main" val="1540493574"/>
                   </a:ext>
                 </a:extLst>
               </a:tr>
@@ -8257,7 +8340,7 @@
                 </a:tc>
                 <a:extLst>
                   <a:ext uri="{0D108BD9-81ED-4DB2-BD59-A6C34878D82A}">
-                    <a16:rowId xmlns:a16="http://schemas.microsoft.com/office/drawing/2014/main" xmlns="" val="3239376749"/>
+                    <a16:rowId xmlns="" xmlns:a16="http://schemas.microsoft.com/office/drawing/2014/main" val="3239376749"/>
                   </a:ext>
                 </a:extLst>
               </a:tr>
@@ -8301,7 +8384,7 @@
         <p:cNvPr id="1" name="">
           <a:extLst>
             <a:ext uri="{FF2B5EF4-FFF2-40B4-BE49-F238E27FC236}">
-              <a16:creationId xmlns:a16="http://schemas.microsoft.com/office/drawing/2014/main" xmlns="" id="{65966396-9CEC-B8B3-C69C-F7C8CC5D9017}"/>
+              <a16:creationId xmlns="" xmlns:a16="http://schemas.microsoft.com/office/drawing/2014/main" id="{65966396-9CEC-B8B3-C69C-F7C8CC5D9017}"/>
             </a:ext>
           </a:extLst>
         </p:cNvPr>
@@ -8321,7 +8404,7 @@
           <p:cNvPr id="2" name="文本框 20">
             <a:extLst>
               <a:ext uri="{FF2B5EF4-FFF2-40B4-BE49-F238E27FC236}">
-                <a16:creationId xmlns:a16="http://schemas.microsoft.com/office/drawing/2014/main" xmlns="" id="{DFF835DC-672D-084D-F635-9E337CDFF3D2}"/>
+                <a16:creationId xmlns="" xmlns:a16="http://schemas.microsoft.com/office/drawing/2014/main" id="{DFF835DC-672D-084D-F635-9E337CDFF3D2}"/>
               </a:ext>
             </a:extLst>
           </p:cNvPr>
@@ -8382,7 +8465,7 @@
           <p:cNvPr id="13" name="Picture 12" descr="A screenshot of a computer&#10;&#10;AI-generated content may be incorrect.">
             <a:extLst>
               <a:ext uri="{FF2B5EF4-FFF2-40B4-BE49-F238E27FC236}">
-                <a16:creationId xmlns:a16="http://schemas.microsoft.com/office/drawing/2014/main" xmlns="" id="{BD42B9D1-C971-3EA9-9BD3-090A276A8B10}"/>
+                <a16:creationId xmlns="" xmlns:a16="http://schemas.microsoft.com/office/drawing/2014/main" id="{BD42B9D1-C971-3EA9-9BD3-090A276A8B10}"/>
               </a:ext>
             </a:extLst>
           </p:cNvPr>
@@ -8442,7 +8525,7 @@
         <p:cNvPr id="1" name="">
           <a:extLst>
             <a:ext uri="{FF2B5EF4-FFF2-40B4-BE49-F238E27FC236}">
-              <a16:creationId xmlns:a16="http://schemas.microsoft.com/office/drawing/2014/main" xmlns="" id="{30571A7A-8A53-6279-373B-991EE84905E4}"/>
+              <a16:creationId xmlns="" xmlns:a16="http://schemas.microsoft.com/office/drawing/2014/main" id="{30571A7A-8A53-6279-373B-991EE84905E4}"/>
             </a:ext>
           </a:extLst>
         </p:cNvPr>
@@ -8462,7 +8545,7 @@
           <p:cNvPr id="2" name="文本框 20">
             <a:extLst>
               <a:ext uri="{FF2B5EF4-FFF2-40B4-BE49-F238E27FC236}">
-                <a16:creationId xmlns:a16="http://schemas.microsoft.com/office/drawing/2014/main" xmlns="" id="{A97D0BED-6DD5-76E3-8311-1F905D1E4D3E}"/>
+                <a16:creationId xmlns="" xmlns:a16="http://schemas.microsoft.com/office/drawing/2014/main" id="{A97D0BED-6DD5-76E3-8311-1F905D1E4D3E}"/>
               </a:ext>
             </a:extLst>
           </p:cNvPr>
@@ -8523,7 +8606,7 @@
           <p:cNvPr id="6" name="Picture 5" descr="A screenshot of a computer&#10;&#10;AI-generated content may be incorrect.">
             <a:extLst>
               <a:ext uri="{FF2B5EF4-FFF2-40B4-BE49-F238E27FC236}">
-                <a16:creationId xmlns:a16="http://schemas.microsoft.com/office/drawing/2014/main" xmlns="" id="{7ACAD4BD-D37B-793F-4E91-F89B6DA3534F}"/>
+                <a16:creationId xmlns="" xmlns:a16="http://schemas.microsoft.com/office/drawing/2014/main" id="{7ACAD4BD-D37B-793F-4E91-F89B6DA3534F}"/>
               </a:ext>
             </a:extLst>
           </p:cNvPr>
@@ -8583,7 +8666,7 @@
         <p:cNvPr id="1" name="">
           <a:extLst>
             <a:ext uri="{FF2B5EF4-FFF2-40B4-BE49-F238E27FC236}">
-              <a16:creationId xmlns:a16="http://schemas.microsoft.com/office/drawing/2014/main" xmlns="" id="{E1C034F3-34F9-6635-04A4-1D86F80A7A87}"/>
+              <a16:creationId xmlns="" xmlns:a16="http://schemas.microsoft.com/office/drawing/2014/main" id="{E1C034F3-34F9-6635-04A4-1D86F80A7A87}"/>
             </a:ext>
           </a:extLst>
         </p:cNvPr>
@@ -8603,7 +8686,7 @@
           <p:cNvPr id="2" name="文本框 20">
             <a:extLst>
               <a:ext uri="{FF2B5EF4-FFF2-40B4-BE49-F238E27FC236}">
-                <a16:creationId xmlns:a16="http://schemas.microsoft.com/office/drawing/2014/main" xmlns="" id="{111F92D2-A9A6-8583-8A6C-D03A11A87E9B}"/>
+                <a16:creationId xmlns="" xmlns:a16="http://schemas.microsoft.com/office/drawing/2014/main" id="{111F92D2-A9A6-8583-8A6C-D03A11A87E9B}"/>
               </a:ext>
             </a:extLst>
           </p:cNvPr>
@@ -8664,7 +8747,7 @@
           <p:cNvPr id="4" name="Picture 3" descr="A screen shot of a computer code&#10;&#10;AI-generated content may be incorrect.">
             <a:extLst>
               <a:ext uri="{FF2B5EF4-FFF2-40B4-BE49-F238E27FC236}">
-                <a16:creationId xmlns:a16="http://schemas.microsoft.com/office/drawing/2014/main" xmlns="" id="{8D72A330-EFB8-37AB-BC93-4C05207B4031}"/>
+                <a16:creationId xmlns="" xmlns:a16="http://schemas.microsoft.com/office/drawing/2014/main" id="{8D72A330-EFB8-37AB-BC93-4C05207B4031}"/>
               </a:ext>
             </a:extLst>
           </p:cNvPr>
@@ -8724,7 +8807,7 @@
         <p:cNvPr id="1" name="">
           <a:extLst>
             <a:ext uri="{FF2B5EF4-FFF2-40B4-BE49-F238E27FC236}">
-              <a16:creationId xmlns:a16="http://schemas.microsoft.com/office/drawing/2014/main" xmlns="" id="{DF46BCA3-AF56-296A-2369-33C3D5F550A7}"/>
+              <a16:creationId xmlns="" xmlns:a16="http://schemas.microsoft.com/office/drawing/2014/main" id="{DF46BCA3-AF56-296A-2369-33C3D5F550A7}"/>
             </a:ext>
           </a:extLst>
         </p:cNvPr>
@@ -8744,7 +8827,7 @@
           <p:cNvPr id="691" name="文本框 25">
             <a:extLst>
               <a:ext uri="{FF2B5EF4-FFF2-40B4-BE49-F238E27FC236}">
-                <a16:creationId xmlns:a16="http://schemas.microsoft.com/office/drawing/2014/main" xmlns="" id="{BA0FF2CF-D37F-32D7-3645-CE340789E17D}"/>
+                <a16:creationId xmlns="" xmlns:a16="http://schemas.microsoft.com/office/drawing/2014/main" id="{BA0FF2CF-D37F-32D7-3645-CE340789E17D}"/>
               </a:ext>
             </a:extLst>
           </p:cNvPr>
@@ -8808,7 +8891,7 @@
           <p:cNvPr id="2" name="文本框 17">
             <a:extLst>
               <a:ext uri="{FF2B5EF4-FFF2-40B4-BE49-F238E27FC236}">
-                <a16:creationId xmlns:a16="http://schemas.microsoft.com/office/drawing/2014/main" xmlns="" id="{3BD7BE68-CCF2-3125-38DD-715A047F3785}"/>
+                <a16:creationId xmlns="" xmlns:a16="http://schemas.microsoft.com/office/drawing/2014/main" id="{3BD7BE68-CCF2-3125-38DD-715A047F3785}"/>
               </a:ext>
             </a:extLst>
           </p:cNvPr>
@@ -8973,7 +9056,7 @@
           <p:cNvPr id="2" name="文本框 17">
             <a:extLst>
               <a:ext uri="{FF2B5EF4-FFF2-40B4-BE49-F238E27FC236}">
-                <a16:creationId xmlns:a16="http://schemas.microsoft.com/office/drawing/2014/main" xmlns="" id="{41560A01-1743-AB70-2B92-3EC63133F95B}"/>
+                <a16:creationId xmlns="" xmlns:a16="http://schemas.microsoft.com/office/drawing/2014/main" id="{41560A01-1743-AB70-2B92-3EC63133F95B}"/>
               </a:ext>
             </a:extLst>
           </p:cNvPr>
@@ -9513,7 +9596,7 @@
           <p:cNvPr id="2" name="矩形 4">
             <a:extLst>
               <a:ext uri="{FF2B5EF4-FFF2-40B4-BE49-F238E27FC236}">
-                <a16:creationId xmlns:a16="http://schemas.microsoft.com/office/drawing/2014/main" xmlns="" id="{C8253DF8-2699-8358-B030-AC2DDE5DFB47}"/>
+                <a16:creationId xmlns="" xmlns:a16="http://schemas.microsoft.com/office/drawing/2014/main" id="{C8253DF8-2699-8358-B030-AC2DDE5DFB47}"/>
               </a:ext>
             </a:extLst>
           </p:cNvPr>
@@ -9673,7 +9756,7 @@
         <p:spPr>
           <a:xfrm>
             <a:off x="161602" y="689632"/>
-            <a:ext cx="8820795" cy="4595062"/>
+            <a:ext cx="8820795" cy="3943328"/>
           </a:xfrm>
           <a:prstGeom prst="rect">
             <a:avLst/>
@@ -10130,7 +10213,7 @@
         <p:cNvPr id="1" name="">
           <a:extLst>
             <a:ext uri="{FF2B5EF4-FFF2-40B4-BE49-F238E27FC236}">
-              <a16:creationId xmlns:a16="http://schemas.microsoft.com/office/drawing/2014/main" xmlns="" id="{0AAA1408-2B51-DB32-BA79-7A2E0500CE9E}"/>
+              <a16:creationId xmlns="" xmlns:a16="http://schemas.microsoft.com/office/drawing/2014/main" id="{0AAA1408-2B51-DB32-BA79-7A2E0500CE9E}"/>
             </a:ext>
           </a:extLst>
         </p:cNvPr>
@@ -10150,7 +10233,7 @@
           <p:cNvPr id="691" name="文本框 25">
             <a:extLst>
               <a:ext uri="{FF2B5EF4-FFF2-40B4-BE49-F238E27FC236}">
-                <a16:creationId xmlns:a16="http://schemas.microsoft.com/office/drawing/2014/main" xmlns="" id="{0DF9FB65-C8C3-1948-BAA7-5CCCE8383DB8}"/>
+                <a16:creationId xmlns="" xmlns:a16="http://schemas.microsoft.com/office/drawing/2014/main" id="{0DF9FB65-C8C3-1948-BAA7-5CCCE8383DB8}"/>
               </a:ext>
             </a:extLst>
           </p:cNvPr>
@@ -10217,7 +10300,7 @@
           <p:cNvPr id="2" name="Table 1">
             <a:extLst>
               <a:ext uri="{FF2B5EF4-FFF2-40B4-BE49-F238E27FC236}">
-                <a16:creationId xmlns:a16="http://schemas.microsoft.com/office/drawing/2014/main" xmlns="" id="{21E0B581-3E25-F457-F11A-6868EB315B7B}"/>
+                <a16:creationId xmlns="" xmlns:a16="http://schemas.microsoft.com/office/drawing/2014/main" id="{21E0B581-3E25-F457-F11A-6868EB315B7B}"/>
               </a:ext>
             </a:extLst>
           </p:cNvPr>
@@ -10234,7 +10317,7 @@
         </p:nvGraphicFramePr>
         <p:xfrm>
           <a:off x="116874" y="836930"/>
-          <a:ext cx="9430985" cy="4041724"/>
+          <a:ext cx="9430985" cy="4101286"/>
         </p:xfrm>
         <a:graphic>
           <a:graphicData uri="http://schemas.openxmlformats.org/drawingml/2006/table">
@@ -10246,21 +10329,21 @@
                 <a:gridCol w="3146419">
                   <a:extLst>
                     <a:ext uri="{9D8B030D-6E8A-4147-A177-3AD203B41FA5}">
-                      <a16:colId xmlns:a16="http://schemas.microsoft.com/office/drawing/2014/main" xmlns="" val="2831497178"/>
+                      <a16:colId xmlns="" xmlns:a16="http://schemas.microsoft.com/office/drawing/2014/main" val="2831497178"/>
                     </a:ext>
                   </a:extLst>
                 </a:gridCol>
                 <a:gridCol w="3278925">
                   <a:extLst>
                     <a:ext uri="{9D8B030D-6E8A-4147-A177-3AD203B41FA5}">
-                      <a16:colId xmlns:a16="http://schemas.microsoft.com/office/drawing/2014/main" xmlns="" val="2161605142"/>
+                      <a16:colId xmlns="" xmlns:a16="http://schemas.microsoft.com/office/drawing/2014/main" val="2161605142"/>
                     </a:ext>
                   </a:extLst>
                 </a:gridCol>
                 <a:gridCol w="3005641">
                   <a:extLst>
                     <a:ext uri="{9D8B030D-6E8A-4147-A177-3AD203B41FA5}">
-                      <a16:colId xmlns:a16="http://schemas.microsoft.com/office/drawing/2014/main" xmlns="" val="3824400268"/>
+                      <a16:colId xmlns="" xmlns:a16="http://schemas.microsoft.com/office/drawing/2014/main" val="3824400268"/>
                     </a:ext>
                   </a:extLst>
                 </a:gridCol>
@@ -10389,7 +10472,7 @@
                 </a:tc>
                 <a:extLst>
                   <a:ext uri="{0D108BD9-81ED-4DB2-BD59-A6C34878D82A}">
-                    <a16:rowId xmlns:a16="http://schemas.microsoft.com/office/drawing/2014/main" xmlns="" val="2705337849"/>
+                    <a16:rowId xmlns="" xmlns:a16="http://schemas.microsoft.com/office/drawing/2014/main" val="2705337849"/>
                   </a:ext>
                 </a:extLst>
               </a:tr>
@@ -10596,7 +10679,7 @@
                 </a:tc>
                 <a:extLst>
                   <a:ext uri="{0D108BD9-81ED-4DB2-BD59-A6C34878D82A}">
-                    <a16:rowId xmlns:a16="http://schemas.microsoft.com/office/drawing/2014/main" xmlns="" val="401710730"/>
+                    <a16:rowId xmlns="" xmlns:a16="http://schemas.microsoft.com/office/drawing/2014/main" val="401710730"/>
                   </a:ext>
                 </a:extLst>
               </a:tr>
@@ -10752,7 +10835,7 @@
                 </a:tc>
                 <a:extLst>
                   <a:ext uri="{0D108BD9-81ED-4DB2-BD59-A6C34878D82A}">
-                    <a16:rowId xmlns:a16="http://schemas.microsoft.com/office/drawing/2014/main" xmlns="" val="4263263857"/>
+                    <a16:rowId xmlns="" xmlns:a16="http://schemas.microsoft.com/office/drawing/2014/main" val="4263263857"/>
                   </a:ext>
                 </a:extLst>
               </a:tr>
@@ -10789,7 +10872,7 @@
         <p:cNvPr id="1" name="">
           <a:extLst>
             <a:ext uri="{FF2B5EF4-FFF2-40B4-BE49-F238E27FC236}">
-              <a16:creationId xmlns:a16="http://schemas.microsoft.com/office/drawing/2014/main" xmlns="" id="{B707C3B2-CC59-34E3-9E0F-6FB5F83FDA40}"/>
+              <a16:creationId xmlns="" xmlns:a16="http://schemas.microsoft.com/office/drawing/2014/main" id="{B707C3B2-CC59-34E3-9E0F-6FB5F83FDA40}"/>
             </a:ext>
           </a:extLst>
         </p:cNvPr>
@@ -10809,7 +10892,7 @@
           <p:cNvPr id="2" name="Table 1">
             <a:extLst>
               <a:ext uri="{FF2B5EF4-FFF2-40B4-BE49-F238E27FC236}">
-                <a16:creationId xmlns:a16="http://schemas.microsoft.com/office/drawing/2014/main" xmlns="" id="{128831FE-5E8A-7705-D39E-CE478F3BB36B}"/>
+                <a16:creationId xmlns="" xmlns:a16="http://schemas.microsoft.com/office/drawing/2014/main" id="{128831FE-5E8A-7705-D39E-CE478F3BB36B}"/>
               </a:ext>
             </a:extLst>
           </p:cNvPr>
@@ -10826,7 +10909,7 @@
         </p:nvGraphicFramePr>
         <p:xfrm>
           <a:off x="116874" y="921035"/>
-          <a:ext cx="8910252" cy="3301429"/>
+          <a:ext cx="8910252" cy="3331210"/>
         </p:xfrm>
         <a:graphic>
           <a:graphicData uri="http://schemas.openxmlformats.org/drawingml/2006/table">
@@ -10838,21 +10921,21 @@
                 <a:gridCol w="2970084">
                   <a:extLst>
                     <a:ext uri="{9D8B030D-6E8A-4147-A177-3AD203B41FA5}">
-                      <a16:colId xmlns:a16="http://schemas.microsoft.com/office/drawing/2014/main" xmlns="" val="2831497178"/>
+                      <a16:colId xmlns="" xmlns:a16="http://schemas.microsoft.com/office/drawing/2014/main" val="2831497178"/>
                     </a:ext>
                   </a:extLst>
                 </a:gridCol>
                 <a:gridCol w="3100484">
                   <a:extLst>
                     <a:ext uri="{9D8B030D-6E8A-4147-A177-3AD203B41FA5}">
-                      <a16:colId xmlns:a16="http://schemas.microsoft.com/office/drawing/2014/main" xmlns="" val="2161605142"/>
+                      <a16:colId xmlns="" xmlns:a16="http://schemas.microsoft.com/office/drawing/2014/main" val="2161605142"/>
                     </a:ext>
                   </a:extLst>
                 </a:gridCol>
                 <a:gridCol w="2839684">
                   <a:extLst>
                     <a:ext uri="{9D8B030D-6E8A-4147-A177-3AD203B41FA5}">
-                      <a16:colId xmlns:a16="http://schemas.microsoft.com/office/drawing/2014/main" xmlns="" val="3824400268"/>
+                      <a16:colId xmlns="" xmlns:a16="http://schemas.microsoft.com/office/drawing/2014/main" val="3824400268"/>
                     </a:ext>
                   </a:extLst>
                 </a:gridCol>
@@ -10981,7 +11064,7 @@
                 </a:tc>
                 <a:extLst>
                   <a:ext uri="{0D108BD9-81ED-4DB2-BD59-A6C34878D82A}">
-                    <a16:rowId xmlns:a16="http://schemas.microsoft.com/office/drawing/2014/main" xmlns="" val="2705337849"/>
+                    <a16:rowId xmlns="" xmlns:a16="http://schemas.microsoft.com/office/drawing/2014/main" val="2705337849"/>
                   </a:ext>
                 </a:extLst>
               </a:tr>
@@ -11137,7 +11220,7 @@
                 </a:tc>
                 <a:extLst>
                   <a:ext uri="{0D108BD9-81ED-4DB2-BD59-A6C34878D82A}">
-                    <a16:rowId xmlns:a16="http://schemas.microsoft.com/office/drawing/2014/main" xmlns="" val="401710730"/>
+                    <a16:rowId xmlns="" xmlns:a16="http://schemas.microsoft.com/office/drawing/2014/main" val="401710730"/>
                   </a:ext>
                 </a:extLst>
               </a:tr>
@@ -11174,7 +11257,7 @@
         <p:cNvPr id="1" name="">
           <a:extLst>
             <a:ext uri="{FF2B5EF4-FFF2-40B4-BE49-F238E27FC236}">
-              <a16:creationId xmlns:a16="http://schemas.microsoft.com/office/drawing/2014/main" xmlns="" id="{72997A0B-CD59-4421-4D4E-A432ACB1C6FD}"/>
+              <a16:creationId xmlns="" xmlns:a16="http://schemas.microsoft.com/office/drawing/2014/main" id="{72997A0B-CD59-4421-4D4E-A432ACB1C6FD}"/>
             </a:ext>
           </a:extLst>
         </p:cNvPr>
@@ -11194,7 +11277,7 @@
           <p:cNvPr id="2" name="Table 1">
             <a:extLst>
               <a:ext uri="{FF2B5EF4-FFF2-40B4-BE49-F238E27FC236}">
-                <a16:creationId xmlns:a16="http://schemas.microsoft.com/office/drawing/2014/main" xmlns="" id="{4D20DD38-0E99-8DEA-BEB0-D6D8D0EC559D}"/>
+                <a16:creationId xmlns="" xmlns:a16="http://schemas.microsoft.com/office/drawing/2014/main" id="{4D20DD38-0E99-8DEA-BEB0-D6D8D0EC559D}"/>
               </a:ext>
             </a:extLst>
           </p:cNvPr>
@@ -11211,7 +11294,7 @@
         </p:nvGraphicFramePr>
         <p:xfrm>
           <a:off x="116874" y="42195"/>
-          <a:ext cx="8910252" cy="5059109"/>
+          <a:ext cx="8910252" cy="5088890"/>
         </p:xfrm>
         <a:graphic>
           <a:graphicData uri="http://schemas.openxmlformats.org/drawingml/2006/table">
@@ -11223,21 +11306,21 @@
                 <a:gridCol w="2970084">
                   <a:extLst>
                     <a:ext uri="{9D8B030D-6E8A-4147-A177-3AD203B41FA5}">
-                      <a16:colId xmlns:a16="http://schemas.microsoft.com/office/drawing/2014/main" xmlns="" val="2831497178"/>
+                      <a16:colId xmlns="" xmlns:a16="http://schemas.microsoft.com/office/drawing/2014/main" val="2831497178"/>
                     </a:ext>
                   </a:extLst>
                 </a:gridCol>
                 <a:gridCol w="3100484">
                   <a:extLst>
                     <a:ext uri="{9D8B030D-6E8A-4147-A177-3AD203B41FA5}">
-                      <a16:colId xmlns:a16="http://schemas.microsoft.com/office/drawing/2014/main" xmlns="" val="2161605142"/>
+                      <a16:colId xmlns="" xmlns:a16="http://schemas.microsoft.com/office/drawing/2014/main" val="2161605142"/>
                     </a:ext>
                   </a:extLst>
                 </a:gridCol>
                 <a:gridCol w="2839684">
                   <a:extLst>
                     <a:ext uri="{9D8B030D-6E8A-4147-A177-3AD203B41FA5}">
-                      <a16:colId xmlns:a16="http://schemas.microsoft.com/office/drawing/2014/main" xmlns="" val="3824400268"/>
+                      <a16:colId xmlns="" xmlns:a16="http://schemas.microsoft.com/office/drawing/2014/main" val="3824400268"/>
                     </a:ext>
                   </a:extLst>
                 </a:gridCol>
@@ -11366,7 +11449,7 @@
                 </a:tc>
                 <a:extLst>
                   <a:ext uri="{0D108BD9-81ED-4DB2-BD59-A6C34878D82A}">
-                    <a16:rowId xmlns:a16="http://schemas.microsoft.com/office/drawing/2014/main" xmlns="" val="2705337849"/>
+                    <a16:rowId xmlns="" xmlns:a16="http://schemas.microsoft.com/office/drawing/2014/main" val="2705337849"/>
                   </a:ext>
                 </a:extLst>
               </a:tr>
@@ -11652,7 +11735,7 @@
                 </a:tc>
                 <a:extLst>
                   <a:ext uri="{0D108BD9-81ED-4DB2-BD59-A6C34878D82A}">
-                    <a16:rowId xmlns:a16="http://schemas.microsoft.com/office/drawing/2014/main" xmlns="" val="401710730"/>
+                    <a16:rowId xmlns="" xmlns:a16="http://schemas.microsoft.com/office/drawing/2014/main" val="401710730"/>
                   </a:ext>
                 </a:extLst>
               </a:tr>
@@ -11689,7 +11772,7 @@
         <p:cNvPr id="1" name="">
           <a:extLst>
             <a:ext uri="{FF2B5EF4-FFF2-40B4-BE49-F238E27FC236}">
-              <a16:creationId xmlns:a16="http://schemas.microsoft.com/office/drawing/2014/main" xmlns="" id="{152748B2-335C-19E3-62DC-1D4FFED6BCDC}"/>
+              <a16:creationId xmlns="" xmlns:a16="http://schemas.microsoft.com/office/drawing/2014/main" id="{152748B2-335C-19E3-62DC-1D4FFED6BCDC}"/>
             </a:ext>
           </a:extLst>
         </p:cNvPr>
@@ -11709,7 +11792,7 @@
           <p:cNvPr id="691" name="文本框 25">
             <a:extLst>
               <a:ext uri="{FF2B5EF4-FFF2-40B4-BE49-F238E27FC236}">
-                <a16:creationId xmlns:a16="http://schemas.microsoft.com/office/drawing/2014/main" xmlns="" id="{8E4F1A66-1B44-5F2B-5CC0-6F93CB1D0C14}"/>
+                <a16:creationId xmlns="" xmlns:a16="http://schemas.microsoft.com/office/drawing/2014/main" id="{8E4F1A66-1B44-5F2B-5CC0-6F93CB1D0C14}"/>
               </a:ext>
             </a:extLst>
           </p:cNvPr>
@@ -11773,7 +11856,7 @@
           <p:cNvPr id="3" name="文本框 17">
             <a:extLst>
               <a:ext uri="{FF2B5EF4-FFF2-40B4-BE49-F238E27FC236}">
-                <a16:creationId xmlns:a16="http://schemas.microsoft.com/office/drawing/2014/main" xmlns="" id="{87EA755E-FFFD-569A-848A-EE357349AA63}"/>
+                <a16:creationId xmlns="" xmlns:a16="http://schemas.microsoft.com/office/drawing/2014/main" id="{87EA755E-FFFD-569A-848A-EE357349AA63}"/>
               </a:ext>
             </a:extLst>
           </p:cNvPr>
